--- a/BBTeam.pptx
+++ b/BBTeam.pptx
@@ -12,6 +12,7 @@
     <p:sldId id="260" r:id="rId6"/>
     <p:sldId id="262" r:id="rId7"/>
     <p:sldId id="263" r:id="rId8"/>
+    <p:sldId id="264" r:id="rId9"/>
   </p:sldIdLst>
   <p:sldSz cx="12192000" cy="6858000"/>
   <p:notesSz cx="6858000" cy="9144000"/>
@@ -6230,6 +6231,155 @@
 </p:sld>
 </file>
 
+<file path=ppt/slides/slide8.xml><?xml version="1.0" encoding="utf-8"?>
+<p:sld xmlns:a="http://schemas.openxmlformats.org/drawingml/2006/main" xmlns:r="http://schemas.openxmlformats.org/officeDocument/2006/relationships" xmlns:p="http://schemas.openxmlformats.org/presentationml/2006/main">
+  <p:cSld>
+    <p:spTree>
+      <p:nvGrpSpPr>
+        <p:cNvPr id="1" name=""/>
+        <p:cNvGrpSpPr/>
+        <p:nvPr/>
+      </p:nvGrpSpPr>
+      <p:grpSpPr>
+        <a:xfrm>
+          <a:off x="0" y="0"/>
+          <a:ext cx="0" cy="0"/>
+          <a:chOff x="0" y="0"/>
+          <a:chExt cx="0" cy="0"/>
+        </a:xfrm>
+      </p:grpSpPr>
+      <p:sp>
+        <p:nvSpPr>
+          <p:cNvPr id="2" name="Title 1">
+            <a:extLst>
+              <a:ext uri="{FF2B5EF4-FFF2-40B4-BE49-F238E27FC236}">
+                <a16:creationId xmlns:a16="http://schemas.microsoft.com/office/drawing/2014/main" id="{B2315CB7-5A61-418B-8A7A-6A85122D0AF0}"/>
+              </a:ext>
+            </a:extLst>
+          </p:cNvPr>
+          <p:cNvSpPr>
+            <a:spLocks noGrp="1"/>
+          </p:cNvSpPr>
+          <p:nvPr>
+            <p:ph type="title"/>
+          </p:nvPr>
+        </p:nvSpPr>
+        <p:spPr/>
+        <p:txBody>
+          <a:bodyPr/>
+          <a:lstStyle/>
+          <a:p>
+            <a:pPr>
+              <a:defRPr sz="3200" b="1">
+                <a:solidFill>
+                  <a:srgbClr val="FFFFFF"/>
+                </a:solidFill>
+              </a:defRPr>
+            </a:pPr>
+            <a:r>
+              <a:rPr lang="ru-RU" sz="4400" dirty="0">
+                <a:solidFill>
+                  <a:schemeClr val="tx1">
+                    <a:lumMod val="95000"/>
+                    <a:lumOff val="5000"/>
+                  </a:schemeClr>
+                </a:solidFill>
+                <a:latin typeface="Calibri (Body)"/>
+              </a:rPr>
+              <a:t>Исследования</a:t>
+            </a:r>
+          </a:p>
+        </p:txBody>
+      </p:sp>
+      <p:sp>
+        <p:nvSpPr>
+          <p:cNvPr id="3" name="Content Placeholder 2">
+            <a:extLst>
+              <a:ext uri="{FF2B5EF4-FFF2-40B4-BE49-F238E27FC236}">
+                <a16:creationId xmlns:a16="http://schemas.microsoft.com/office/drawing/2014/main" id="{FA228290-20DB-4B8F-8605-A12EA101F208}"/>
+              </a:ext>
+            </a:extLst>
+          </p:cNvPr>
+          <p:cNvSpPr>
+            <a:spLocks noGrp="1"/>
+          </p:cNvSpPr>
+          <p:nvPr>
+            <p:ph idx="1"/>
+          </p:nvPr>
+        </p:nvSpPr>
+        <p:spPr/>
+        <p:txBody>
+          <a:bodyPr/>
+          <a:lstStyle/>
+          <a:p>
+            <a:pPr marL="0" indent="0">
+              <a:buNone/>
+            </a:pPr>
+            <a:r>
+              <a:rPr lang="ru-RU" dirty="0"/>
+              <a:t>Во время решения кейса мы опросили множестов своих одногруппником и коллег</a:t>
+            </a:r>
+            <a:r>
+              <a:rPr lang="en-US" dirty="0"/>
+              <a:t>. </a:t>
+            </a:r>
+            <a:r>
+              <a:rPr lang="ru-RU" dirty="0"/>
+              <a:t>Большинство людей жалуется на спам в разных местах</a:t>
+            </a:r>
+            <a:r>
+              <a:rPr lang="en-US" dirty="0"/>
+              <a:t>, </a:t>
+            </a:r>
+            <a:r>
+              <a:rPr lang="ru-RU" dirty="0"/>
+              <a:t>жалуются на отсутсвие нормальных уведомлений</a:t>
+            </a:r>
+            <a:r>
+              <a:rPr lang="en-US" dirty="0"/>
+              <a:t>. </a:t>
+            </a:r>
+            <a:r>
+              <a:rPr lang="ru-RU" dirty="0"/>
+              <a:t>По нашей выборки многие опрошенных выразили большую заинтересованность в нашем сервисе</a:t>
+            </a:r>
+            <a:r>
+              <a:rPr lang="en-US" dirty="0"/>
+              <a:t>. </a:t>
+            </a:r>
+            <a:r>
+              <a:rPr lang="ru-RU" dirty="0"/>
+              <a:t>Другим идея пказалось интересной</a:t>
+            </a:r>
+            <a:r>
+              <a:rPr lang="en-US" dirty="0"/>
+              <a:t>, </a:t>
+            </a:r>
+            <a:r>
+              <a:rPr lang="ru-RU" dirty="0"/>
+              <a:t>но без использования сервиса не могут дать конечный отет</a:t>
+            </a:r>
+            <a:r>
+              <a:rPr lang="en-US" dirty="0"/>
+              <a:t>. </a:t>
+            </a:r>
+            <a:endParaRPr lang="ru-RU" dirty="0"/>
+          </a:p>
+        </p:txBody>
+      </p:sp>
+    </p:spTree>
+    <p:extLst>
+      <p:ext uri="{BB962C8B-B14F-4D97-AF65-F5344CB8AC3E}">
+        <p14:creationId xmlns:p14="http://schemas.microsoft.com/office/powerpoint/2010/main" val="4264997431"/>
+      </p:ext>
+    </p:extLst>
+  </p:cSld>
+  <p:clrMapOvr>
+    <a:masterClrMapping/>
+  </p:clrMapOvr>
+</p:sld>
+</file>
+
 <file path=ppt/theme/theme1.xml><?xml version="1.0" encoding="utf-8"?>
 <a:theme xmlns:a="http://schemas.openxmlformats.org/drawingml/2006/main" name="Office Theme">
   <a:themeElements>
